--- a/April Mid Term Checkpoint.pptx
+++ b/April Mid Term Checkpoint.pptx
@@ -16,7 +16,7 @@
     <p:sldId id="444" r:id="rId4"/>
     <p:sldId id="445" r:id="rId5"/>
     <p:sldId id="446" r:id="rId6"/>
-    <p:sldId id="447" r:id="rId7"/>
+    <p:sldId id="449" r:id="rId7"/>
     <p:sldId id="448" r:id="rId8"/>
   </p:sldIdLst>
   <p:sldSz cx="9144000" cy="5143500" type="screen16x9"/>
@@ -125,7 +125,7 @@
             <p14:sldId id="444"/>
             <p14:sldId id="445"/>
             <p14:sldId id="446"/>
-            <p14:sldId id="447"/>
+            <p14:sldId id="449"/>
             <p14:sldId id="448"/>
           </p14:sldIdLst>
         </p14:section>
@@ -987,7 +987,7 @@
           <p:cNvPr id="7" name="Picture Placeholder">
             <a:extLst>
               <a:ext uri="{C183D7F6-B498-43B3-948B-1728B52AA6E4}">
-                <adec:decorative xmlns:adec="http://schemas.microsoft.com/office/drawing/2017/decorative" xmlns="" val="1"/>
+                <adec:decorative xmlns="" xmlns:adec="http://schemas.microsoft.com/office/drawing/2017/decorative" val="1"/>
               </a:ext>
             </a:extLst>
           </p:cNvPr>
@@ -4668,7 +4668,7 @@
                 <a16:creationId xmlns:a16="http://schemas.microsoft.com/office/drawing/2014/main" id="{838ABCAC-D266-7244-9068-DAD3FE4E7CA7}"/>
               </a:ext>
               <a:ext uri="{C183D7F6-B498-43B3-948B-1728B52AA6E4}">
-                <adec:decorative xmlns:adec="http://schemas.microsoft.com/office/drawing/2017/decorative" xmlns="" val="1"/>
+                <adec:decorative xmlns="" xmlns:adec="http://schemas.microsoft.com/office/drawing/2017/decorative" val="1"/>
               </a:ext>
             </a:extLst>
           </p:cNvPr>
@@ -5625,7 +5625,7 @@
                 <a16:creationId xmlns:a16="http://schemas.microsoft.com/office/drawing/2014/main" id="{FA72458D-69F1-254C-9C7B-9A062B760A8D}"/>
               </a:ext>
               <a:ext uri="{C183D7F6-B498-43B3-948B-1728B52AA6E4}">
-                <adec:decorative xmlns:adec="http://schemas.microsoft.com/office/drawing/2017/decorative" xmlns="" val="1"/>
+                <adec:decorative xmlns="" xmlns:adec="http://schemas.microsoft.com/office/drawing/2017/decorative" val="1"/>
               </a:ext>
             </a:extLst>
           </p:cNvPr>
@@ -10541,7 +10541,7 @@
           <p:cNvPr id="7" name="Picture Placeholder">
             <a:extLst>
               <a:ext uri="{C183D7F6-B498-43B3-948B-1728B52AA6E4}">
-                <adec:decorative xmlns:adec="http://schemas.microsoft.com/office/drawing/2017/decorative" xmlns="" val="1"/>
+                <adec:decorative xmlns="" xmlns:adec="http://schemas.microsoft.com/office/drawing/2017/decorative" val="1"/>
               </a:ext>
             </a:extLst>
           </p:cNvPr>
@@ -13576,7 +13576,7 @@
                 <a16:creationId xmlns:a16="http://schemas.microsoft.com/office/drawing/2014/main" id="{838ABCAC-D266-7244-9068-DAD3FE4E7CA7}"/>
               </a:ext>
               <a:ext uri="{C183D7F6-B498-43B3-948B-1728B52AA6E4}">
-                <adec:decorative xmlns:adec="http://schemas.microsoft.com/office/drawing/2017/decorative" xmlns="" val="1"/>
+                <adec:decorative xmlns="" xmlns:adec="http://schemas.microsoft.com/office/drawing/2017/decorative" val="1"/>
               </a:ext>
             </a:extLst>
           </p:cNvPr>
@@ -14094,7 +14094,7 @@
                 <a16:creationId xmlns:a16="http://schemas.microsoft.com/office/drawing/2014/main" id="{838ABCAC-D266-7244-9068-DAD3FE4E7CA7}"/>
               </a:ext>
               <a:ext uri="{C183D7F6-B498-43B3-948B-1728B52AA6E4}">
-                <adec:decorative xmlns:adec="http://schemas.microsoft.com/office/drawing/2017/decorative" xmlns="" val="1"/>
+                <adec:decorative xmlns="" xmlns:adec="http://schemas.microsoft.com/office/drawing/2017/decorative" val="1"/>
               </a:ext>
             </a:extLst>
           </p:cNvPr>
@@ -14623,7 +14623,7 @@
                 <a16:creationId xmlns:a16="http://schemas.microsoft.com/office/drawing/2014/main" id="{AC7071F7-7B2A-D945-9E7A-B87CA754F3F3}"/>
               </a:ext>
               <a:ext uri="{C183D7F6-B498-43B3-948B-1728B52AA6E4}">
-                <adec:decorative xmlns:adec="http://schemas.microsoft.com/office/drawing/2017/decorative" xmlns="" val="1"/>
+                <adec:decorative xmlns="" xmlns:adec="http://schemas.microsoft.com/office/drawing/2017/decorative" val="1"/>
               </a:ext>
             </a:extLst>
           </p:cNvPr>
@@ -14949,7 +14949,7 @@
                 <a16:creationId xmlns:a16="http://schemas.microsoft.com/office/drawing/2014/main" id="{FA72458D-69F1-254C-9C7B-9A062B760A8D}"/>
               </a:ext>
               <a:ext uri="{C183D7F6-B498-43B3-948B-1728B52AA6E4}">
-                <adec:decorative xmlns:adec="http://schemas.microsoft.com/office/drawing/2017/decorative" xmlns="" val="1"/>
+                <adec:decorative xmlns="" xmlns:adec="http://schemas.microsoft.com/office/drawing/2017/decorative" val="1"/>
               </a:ext>
             </a:extLst>
           </p:cNvPr>
@@ -19980,7 +19980,7 @@
           <p:cNvPr id="59" name="Group 1" descr="Outside edge tick marks for alignment">
             <a:extLst>
               <a:ext uri="{C183D7F6-B498-43B3-948B-1728B52AA6E4}">
-                <adec:decorative xmlns:adec="http://schemas.microsoft.com/office/drawing/2017/decorative" xmlns="" val="0"/>
+                <adec:decorative xmlns="" xmlns:adec="http://schemas.microsoft.com/office/drawing/2017/decorative" val="0"/>
               </a:ext>
             </a:extLst>
           </p:cNvPr>
@@ -20014,7 +20014,7 @@
               <p:cNvPr id="93" name="Straight Connector 92">
                 <a:extLst>
                   <a:ext uri="{C183D7F6-B498-43B3-948B-1728B52AA6E4}">
-                    <adec:decorative xmlns:adec="http://schemas.microsoft.com/office/drawing/2017/decorative" xmlns="" val="1"/>
+                    <adec:decorative xmlns="" xmlns:adec="http://schemas.microsoft.com/office/drawing/2017/decorative" val="1"/>
                   </a:ext>
                 </a:extLst>
               </p:cNvPr>
@@ -20057,7 +20057,7 @@
               <p:cNvPr id="94" name="Straight Connector 93">
                 <a:extLst>
                   <a:ext uri="{C183D7F6-B498-43B3-948B-1728B52AA6E4}">
-                    <adec:decorative xmlns:adec="http://schemas.microsoft.com/office/drawing/2017/decorative" xmlns="" val="1"/>
+                    <adec:decorative xmlns="" xmlns:adec="http://schemas.microsoft.com/office/drawing/2017/decorative" val="1"/>
                   </a:ext>
                 </a:extLst>
               </p:cNvPr>
@@ -20100,7 +20100,7 @@
               <p:cNvPr id="95" name="Straight Connector 94">
                 <a:extLst>
                   <a:ext uri="{C183D7F6-B498-43B3-948B-1728B52AA6E4}">
-                    <adec:decorative xmlns:adec="http://schemas.microsoft.com/office/drawing/2017/decorative" xmlns="" val="1"/>
+                    <adec:decorative xmlns="" xmlns:adec="http://schemas.microsoft.com/office/drawing/2017/decorative" val="1"/>
                   </a:ext>
                 </a:extLst>
               </p:cNvPr>
@@ -20143,7 +20143,7 @@
               <p:cNvPr id="96" name="Straight Connector 95">
                 <a:extLst>
                   <a:ext uri="{C183D7F6-B498-43B3-948B-1728B52AA6E4}">
-                    <adec:decorative xmlns:adec="http://schemas.microsoft.com/office/drawing/2017/decorative" xmlns="" val="1"/>
+                    <adec:decorative xmlns="" xmlns:adec="http://schemas.microsoft.com/office/drawing/2017/decorative" val="1"/>
                   </a:ext>
                 </a:extLst>
               </p:cNvPr>
@@ -20186,7 +20186,7 @@
               <p:cNvPr id="97" name="Straight Connector 96">
                 <a:extLst>
                   <a:ext uri="{C183D7F6-B498-43B3-948B-1728B52AA6E4}">
-                    <adec:decorative xmlns:adec="http://schemas.microsoft.com/office/drawing/2017/decorative" xmlns="" val="1"/>
+                    <adec:decorative xmlns="" xmlns:adec="http://schemas.microsoft.com/office/drawing/2017/decorative" val="1"/>
                   </a:ext>
                 </a:extLst>
               </p:cNvPr>
@@ -20229,7 +20229,7 @@
               <p:cNvPr id="98" name="Straight Connector 97">
                 <a:extLst>
                   <a:ext uri="{C183D7F6-B498-43B3-948B-1728B52AA6E4}">
-                    <adec:decorative xmlns:adec="http://schemas.microsoft.com/office/drawing/2017/decorative" xmlns="" val="1"/>
+                    <adec:decorative xmlns="" xmlns:adec="http://schemas.microsoft.com/office/drawing/2017/decorative" val="1"/>
                   </a:ext>
                 </a:extLst>
               </p:cNvPr>
@@ -20272,7 +20272,7 @@
               <p:cNvPr id="99" name="Straight Connector 98">
                 <a:extLst>
                   <a:ext uri="{C183D7F6-B498-43B3-948B-1728B52AA6E4}">
-                    <adec:decorative xmlns:adec="http://schemas.microsoft.com/office/drawing/2017/decorative" xmlns="" val="1"/>
+                    <adec:decorative xmlns="" xmlns:adec="http://schemas.microsoft.com/office/drawing/2017/decorative" val="1"/>
                   </a:ext>
                 </a:extLst>
               </p:cNvPr>
@@ -20315,7 +20315,7 @@
               <p:cNvPr id="100" name="Straight Connector 99">
                 <a:extLst>
                   <a:ext uri="{C183D7F6-B498-43B3-948B-1728B52AA6E4}">
-                    <adec:decorative xmlns:adec="http://schemas.microsoft.com/office/drawing/2017/decorative" xmlns="" val="1"/>
+                    <adec:decorative xmlns="" xmlns:adec="http://schemas.microsoft.com/office/drawing/2017/decorative" val="1"/>
                   </a:ext>
                 </a:extLst>
               </p:cNvPr>
@@ -20358,7 +20358,7 @@
               <p:cNvPr id="101" name="Straight Connector 100">
                 <a:extLst>
                   <a:ext uri="{C183D7F6-B498-43B3-948B-1728B52AA6E4}">
-                    <adec:decorative xmlns:adec="http://schemas.microsoft.com/office/drawing/2017/decorative" xmlns="" val="1"/>
+                    <adec:decorative xmlns="" xmlns:adec="http://schemas.microsoft.com/office/drawing/2017/decorative" val="1"/>
                   </a:ext>
                 </a:extLst>
               </p:cNvPr>
@@ -20401,7 +20401,7 @@
               <p:cNvPr id="102" name="Straight Connector 101">
                 <a:extLst>
                   <a:ext uri="{C183D7F6-B498-43B3-948B-1728B52AA6E4}">
-                    <adec:decorative xmlns:adec="http://schemas.microsoft.com/office/drawing/2017/decorative" xmlns="" val="1"/>
+                    <adec:decorative xmlns="" xmlns:adec="http://schemas.microsoft.com/office/drawing/2017/decorative" val="1"/>
                   </a:ext>
                 </a:extLst>
               </p:cNvPr>
@@ -20444,7 +20444,7 @@
               <p:cNvPr id="103" name="Straight Connector 102">
                 <a:extLst>
                   <a:ext uri="{C183D7F6-B498-43B3-948B-1728B52AA6E4}">
-                    <adec:decorative xmlns:adec="http://schemas.microsoft.com/office/drawing/2017/decorative" xmlns="" val="1"/>
+                    <adec:decorative xmlns="" xmlns:adec="http://schemas.microsoft.com/office/drawing/2017/decorative" val="1"/>
                   </a:ext>
                 </a:extLst>
               </p:cNvPr>
@@ -20502,7 +20502,7 @@
               <p:cNvPr id="82" name="Straight Connector 81">
                 <a:extLst>
                   <a:ext uri="{C183D7F6-B498-43B3-948B-1728B52AA6E4}">
-                    <adec:decorative xmlns:adec="http://schemas.microsoft.com/office/drawing/2017/decorative" xmlns="" val="1"/>
+                    <adec:decorative xmlns="" xmlns:adec="http://schemas.microsoft.com/office/drawing/2017/decorative" val="1"/>
                   </a:ext>
                 </a:extLst>
               </p:cNvPr>
@@ -20545,7 +20545,7 @@
               <p:cNvPr id="83" name="Straight Connector 82">
                 <a:extLst>
                   <a:ext uri="{C183D7F6-B498-43B3-948B-1728B52AA6E4}">
-                    <adec:decorative xmlns:adec="http://schemas.microsoft.com/office/drawing/2017/decorative" xmlns="" val="1"/>
+                    <adec:decorative xmlns="" xmlns:adec="http://schemas.microsoft.com/office/drawing/2017/decorative" val="1"/>
                   </a:ext>
                 </a:extLst>
               </p:cNvPr>
@@ -20588,7 +20588,7 @@
               <p:cNvPr id="84" name="Straight Connector 83">
                 <a:extLst>
                   <a:ext uri="{C183D7F6-B498-43B3-948B-1728B52AA6E4}">
-                    <adec:decorative xmlns:adec="http://schemas.microsoft.com/office/drawing/2017/decorative" xmlns="" val="1"/>
+                    <adec:decorative xmlns="" xmlns:adec="http://schemas.microsoft.com/office/drawing/2017/decorative" val="1"/>
                   </a:ext>
                 </a:extLst>
               </p:cNvPr>
@@ -20631,7 +20631,7 @@
               <p:cNvPr id="85" name="Straight Connector 84">
                 <a:extLst>
                   <a:ext uri="{C183D7F6-B498-43B3-948B-1728B52AA6E4}">
-                    <adec:decorative xmlns:adec="http://schemas.microsoft.com/office/drawing/2017/decorative" xmlns="" val="1"/>
+                    <adec:decorative xmlns="" xmlns:adec="http://schemas.microsoft.com/office/drawing/2017/decorative" val="1"/>
                   </a:ext>
                 </a:extLst>
               </p:cNvPr>
@@ -20674,7 +20674,7 @@
               <p:cNvPr id="86" name="Straight Connector 85">
                 <a:extLst>
                   <a:ext uri="{C183D7F6-B498-43B3-948B-1728B52AA6E4}">
-                    <adec:decorative xmlns:adec="http://schemas.microsoft.com/office/drawing/2017/decorative" xmlns="" val="1"/>
+                    <adec:decorative xmlns="" xmlns:adec="http://schemas.microsoft.com/office/drawing/2017/decorative" val="1"/>
                   </a:ext>
                 </a:extLst>
               </p:cNvPr>
@@ -20717,7 +20717,7 @@
               <p:cNvPr id="87" name="Straight Connector 86">
                 <a:extLst>
                   <a:ext uri="{C183D7F6-B498-43B3-948B-1728B52AA6E4}">
-                    <adec:decorative xmlns:adec="http://schemas.microsoft.com/office/drawing/2017/decorative" xmlns="" val="1"/>
+                    <adec:decorative xmlns="" xmlns:adec="http://schemas.microsoft.com/office/drawing/2017/decorative" val="1"/>
                   </a:ext>
                 </a:extLst>
               </p:cNvPr>
@@ -20760,7 +20760,7 @@
               <p:cNvPr id="88" name="Straight Connector 87">
                 <a:extLst>
                   <a:ext uri="{C183D7F6-B498-43B3-948B-1728B52AA6E4}">
-                    <adec:decorative xmlns:adec="http://schemas.microsoft.com/office/drawing/2017/decorative" xmlns="" val="1"/>
+                    <adec:decorative xmlns="" xmlns:adec="http://schemas.microsoft.com/office/drawing/2017/decorative" val="1"/>
                   </a:ext>
                 </a:extLst>
               </p:cNvPr>
@@ -20803,7 +20803,7 @@
               <p:cNvPr id="89" name="Straight Connector 88">
                 <a:extLst>
                   <a:ext uri="{C183D7F6-B498-43B3-948B-1728B52AA6E4}">
-                    <adec:decorative xmlns:adec="http://schemas.microsoft.com/office/drawing/2017/decorative" xmlns="" val="1"/>
+                    <adec:decorative xmlns="" xmlns:adec="http://schemas.microsoft.com/office/drawing/2017/decorative" val="1"/>
                   </a:ext>
                 </a:extLst>
               </p:cNvPr>
@@ -20846,7 +20846,7 @@
               <p:cNvPr id="90" name="Straight Connector 89">
                 <a:extLst>
                   <a:ext uri="{C183D7F6-B498-43B3-948B-1728B52AA6E4}">
-                    <adec:decorative xmlns:adec="http://schemas.microsoft.com/office/drawing/2017/decorative" xmlns="" val="1"/>
+                    <adec:decorative xmlns="" xmlns:adec="http://schemas.microsoft.com/office/drawing/2017/decorative" val="1"/>
                   </a:ext>
                 </a:extLst>
               </p:cNvPr>
@@ -20889,7 +20889,7 @@
               <p:cNvPr id="91" name="Straight Connector 90">
                 <a:extLst>
                   <a:ext uri="{C183D7F6-B498-43B3-948B-1728B52AA6E4}">
-                    <adec:decorative xmlns:adec="http://schemas.microsoft.com/office/drawing/2017/decorative" xmlns="" val="1"/>
+                    <adec:decorative xmlns="" xmlns:adec="http://schemas.microsoft.com/office/drawing/2017/decorative" val="1"/>
                   </a:ext>
                 </a:extLst>
               </p:cNvPr>
@@ -20932,7 +20932,7 @@
               <p:cNvPr id="92" name="Straight Connector 91">
                 <a:extLst>
                   <a:ext uri="{C183D7F6-B498-43B3-948B-1728B52AA6E4}">
-                    <adec:decorative xmlns:adec="http://schemas.microsoft.com/office/drawing/2017/decorative" xmlns="" val="1"/>
+                    <adec:decorative xmlns="" xmlns:adec="http://schemas.microsoft.com/office/drawing/2017/decorative" val="1"/>
                   </a:ext>
                 </a:extLst>
               </p:cNvPr>
@@ -20990,7 +20990,7 @@
               <p:cNvPr id="73" name="Straight Connector 72">
                 <a:extLst>
                   <a:ext uri="{C183D7F6-B498-43B3-948B-1728B52AA6E4}">
-                    <adec:decorative xmlns:adec="http://schemas.microsoft.com/office/drawing/2017/decorative" xmlns="" val="1"/>
+                    <adec:decorative xmlns="" xmlns:adec="http://schemas.microsoft.com/office/drawing/2017/decorative" val="1"/>
                   </a:ext>
                 </a:extLst>
               </p:cNvPr>
@@ -21033,7 +21033,7 @@
               <p:cNvPr id="74" name="Straight Connector 73">
                 <a:extLst>
                   <a:ext uri="{C183D7F6-B498-43B3-948B-1728B52AA6E4}">
-                    <adec:decorative xmlns:adec="http://schemas.microsoft.com/office/drawing/2017/decorative" xmlns="" val="1"/>
+                    <adec:decorative xmlns="" xmlns:adec="http://schemas.microsoft.com/office/drawing/2017/decorative" val="1"/>
                   </a:ext>
                 </a:extLst>
               </p:cNvPr>
@@ -21076,7 +21076,7 @@
               <p:cNvPr id="75" name="Straight Connector 74">
                 <a:extLst>
                   <a:ext uri="{C183D7F6-B498-43B3-948B-1728B52AA6E4}">
-                    <adec:decorative xmlns:adec="http://schemas.microsoft.com/office/drawing/2017/decorative" xmlns="" val="1"/>
+                    <adec:decorative xmlns="" xmlns:adec="http://schemas.microsoft.com/office/drawing/2017/decorative" val="1"/>
                   </a:ext>
                 </a:extLst>
               </p:cNvPr>
@@ -21119,7 +21119,7 @@
               <p:cNvPr id="76" name="Straight Connector 75">
                 <a:extLst>
                   <a:ext uri="{C183D7F6-B498-43B3-948B-1728B52AA6E4}">
-                    <adec:decorative xmlns:adec="http://schemas.microsoft.com/office/drawing/2017/decorative" xmlns="" val="1"/>
+                    <adec:decorative xmlns="" xmlns:adec="http://schemas.microsoft.com/office/drawing/2017/decorative" val="1"/>
                   </a:ext>
                 </a:extLst>
               </p:cNvPr>
@@ -21162,7 +21162,7 @@
               <p:cNvPr id="77" name="Straight Connector 76">
                 <a:extLst>
                   <a:ext uri="{C183D7F6-B498-43B3-948B-1728B52AA6E4}">
-                    <adec:decorative xmlns:adec="http://schemas.microsoft.com/office/drawing/2017/decorative" xmlns="" val="1"/>
+                    <adec:decorative xmlns="" xmlns:adec="http://schemas.microsoft.com/office/drawing/2017/decorative" val="1"/>
                   </a:ext>
                 </a:extLst>
               </p:cNvPr>
@@ -21205,7 +21205,7 @@
               <p:cNvPr id="78" name="Straight Connector 77">
                 <a:extLst>
                   <a:ext uri="{C183D7F6-B498-43B3-948B-1728B52AA6E4}">
-                    <adec:decorative xmlns:adec="http://schemas.microsoft.com/office/drawing/2017/decorative" xmlns="" val="1"/>
+                    <adec:decorative xmlns="" xmlns:adec="http://schemas.microsoft.com/office/drawing/2017/decorative" val="1"/>
                   </a:ext>
                 </a:extLst>
               </p:cNvPr>
@@ -21248,7 +21248,7 @@
               <p:cNvPr id="79" name="Straight Connector 78">
                 <a:extLst>
                   <a:ext uri="{C183D7F6-B498-43B3-948B-1728B52AA6E4}">
-                    <adec:decorative xmlns:adec="http://schemas.microsoft.com/office/drawing/2017/decorative" xmlns="" val="1"/>
+                    <adec:decorative xmlns="" xmlns:adec="http://schemas.microsoft.com/office/drawing/2017/decorative" val="1"/>
                   </a:ext>
                 </a:extLst>
               </p:cNvPr>
@@ -21291,7 +21291,7 @@
               <p:cNvPr id="80" name="Straight Connector 79">
                 <a:extLst>
                   <a:ext uri="{C183D7F6-B498-43B3-948B-1728B52AA6E4}">
-                    <adec:decorative xmlns:adec="http://schemas.microsoft.com/office/drawing/2017/decorative" xmlns="" val="1"/>
+                    <adec:decorative xmlns="" xmlns:adec="http://schemas.microsoft.com/office/drawing/2017/decorative" val="1"/>
                   </a:ext>
                 </a:extLst>
               </p:cNvPr>
@@ -21334,7 +21334,7 @@
               <p:cNvPr id="81" name="Straight Connector 80">
                 <a:extLst>
                   <a:ext uri="{C183D7F6-B498-43B3-948B-1728B52AA6E4}">
-                    <adec:decorative xmlns:adec="http://schemas.microsoft.com/office/drawing/2017/decorative" xmlns="" val="1"/>
+                    <adec:decorative xmlns="" xmlns:adec="http://schemas.microsoft.com/office/drawing/2017/decorative" val="1"/>
                   </a:ext>
                 </a:extLst>
               </p:cNvPr>
@@ -21392,7 +21392,7 @@
               <p:cNvPr id="64" name="Straight Connector 63">
                 <a:extLst>
                   <a:ext uri="{C183D7F6-B498-43B3-948B-1728B52AA6E4}">
-                    <adec:decorative xmlns:adec="http://schemas.microsoft.com/office/drawing/2017/decorative" xmlns="" val="1"/>
+                    <adec:decorative xmlns="" xmlns:adec="http://schemas.microsoft.com/office/drawing/2017/decorative" val="1"/>
                   </a:ext>
                 </a:extLst>
               </p:cNvPr>
@@ -21435,7 +21435,7 @@
               <p:cNvPr id="65" name="Straight Connector 64">
                 <a:extLst>
                   <a:ext uri="{C183D7F6-B498-43B3-948B-1728B52AA6E4}">
-                    <adec:decorative xmlns:adec="http://schemas.microsoft.com/office/drawing/2017/decorative" xmlns="" val="1"/>
+                    <adec:decorative xmlns="" xmlns:adec="http://schemas.microsoft.com/office/drawing/2017/decorative" val="1"/>
                   </a:ext>
                 </a:extLst>
               </p:cNvPr>
@@ -21478,7 +21478,7 @@
               <p:cNvPr id="66" name="Straight Connector 65">
                 <a:extLst>
                   <a:ext uri="{C183D7F6-B498-43B3-948B-1728B52AA6E4}">
-                    <adec:decorative xmlns:adec="http://schemas.microsoft.com/office/drawing/2017/decorative" xmlns="" val="1"/>
+                    <adec:decorative xmlns="" xmlns:adec="http://schemas.microsoft.com/office/drawing/2017/decorative" val="1"/>
                   </a:ext>
                 </a:extLst>
               </p:cNvPr>
@@ -21521,7 +21521,7 @@
               <p:cNvPr id="67" name="Straight Connector 66">
                 <a:extLst>
                   <a:ext uri="{C183D7F6-B498-43B3-948B-1728B52AA6E4}">
-                    <adec:decorative xmlns:adec="http://schemas.microsoft.com/office/drawing/2017/decorative" xmlns="" val="1"/>
+                    <adec:decorative xmlns="" xmlns:adec="http://schemas.microsoft.com/office/drawing/2017/decorative" val="1"/>
                   </a:ext>
                 </a:extLst>
               </p:cNvPr>
@@ -21564,7 +21564,7 @@
               <p:cNvPr id="68" name="Straight Connector 67">
                 <a:extLst>
                   <a:ext uri="{C183D7F6-B498-43B3-948B-1728B52AA6E4}">
-                    <adec:decorative xmlns:adec="http://schemas.microsoft.com/office/drawing/2017/decorative" xmlns="" val="1"/>
+                    <adec:decorative xmlns="" xmlns:adec="http://schemas.microsoft.com/office/drawing/2017/decorative" val="1"/>
                   </a:ext>
                 </a:extLst>
               </p:cNvPr>
@@ -21607,7 +21607,7 @@
               <p:cNvPr id="69" name="Straight Connector 68">
                 <a:extLst>
                   <a:ext uri="{C183D7F6-B498-43B3-948B-1728B52AA6E4}">
-                    <adec:decorative xmlns:adec="http://schemas.microsoft.com/office/drawing/2017/decorative" xmlns="" val="1"/>
+                    <adec:decorative xmlns="" xmlns:adec="http://schemas.microsoft.com/office/drawing/2017/decorative" val="1"/>
                   </a:ext>
                 </a:extLst>
               </p:cNvPr>
@@ -21650,7 +21650,7 @@
               <p:cNvPr id="70" name="Straight Connector 69">
                 <a:extLst>
                   <a:ext uri="{C183D7F6-B498-43B3-948B-1728B52AA6E4}">
-                    <adec:decorative xmlns:adec="http://schemas.microsoft.com/office/drawing/2017/decorative" xmlns="" val="1"/>
+                    <adec:decorative xmlns="" xmlns:adec="http://schemas.microsoft.com/office/drawing/2017/decorative" val="1"/>
                   </a:ext>
                 </a:extLst>
               </p:cNvPr>
@@ -21693,7 +21693,7 @@
               <p:cNvPr id="71" name="Straight Connector 70">
                 <a:extLst>
                   <a:ext uri="{C183D7F6-B498-43B3-948B-1728B52AA6E4}">
-                    <adec:decorative xmlns:adec="http://schemas.microsoft.com/office/drawing/2017/decorative" xmlns="" val="1"/>
+                    <adec:decorative xmlns="" xmlns:adec="http://schemas.microsoft.com/office/drawing/2017/decorative" val="1"/>
                   </a:ext>
                 </a:extLst>
               </p:cNvPr>
@@ -21736,7 +21736,7 @@
               <p:cNvPr id="72" name="Straight Connector 71">
                 <a:extLst>
                   <a:ext uri="{C183D7F6-B498-43B3-948B-1728B52AA6E4}">
-                    <adec:decorative xmlns:adec="http://schemas.microsoft.com/office/drawing/2017/decorative" xmlns="" val="1"/>
+                    <adec:decorative xmlns="" xmlns:adec="http://schemas.microsoft.com/office/drawing/2017/decorative" val="1"/>
                   </a:ext>
                 </a:extLst>
               </p:cNvPr>
@@ -22611,7 +22611,7 @@
           <p:cNvPr id="59" name="Group 58" descr="Outside edge tick marks for alignment">
             <a:extLst>
               <a:ext uri="{C183D7F6-B498-43B3-948B-1728B52AA6E4}">
-                <adec:decorative xmlns:adec="http://schemas.microsoft.com/office/drawing/2017/decorative" xmlns="" val="0"/>
+                <adec:decorative xmlns="" xmlns:adec="http://schemas.microsoft.com/office/drawing/2017/decorative" val="0"/>
               </a:ext>
             </a:extLst>
           </p:cNvPr>
@@ -22645,7 +22645,7 @@
               <p:cNvPr id="93" name="Straight Connector 92">
                 <a:extLst>
                   <a:ext uri="{C183D7F6-B498-43B3-948B-1728B52AA6E4}">
-                    <adec:decorative xmlns:adec="http://schemas.microsoft.com/office/drawing/2017/decorative" xmlns="" val="1"/>
+                    <adec:decorative xmlns="" xmlns:adec="http://schemas.microsoft.com/office/drawing/2017/decorative" val="1"/>
                   </a:ext>
                 </a:extLst>
               </p:cNvPr>
@@ -22688,7 +22688,7 @@
               <p:cNvPr id="94" name="Straight Connector 93">
                 <a:extLst>
                   <a:ext uri="{C183D7F6-B498-43B3-948B-1728B52AA6E4}">
-                    <adec:decorative xmlns:adec="http://schemas.microsoft.com/office/drawing/2017/decorative" xmlns="" val="1"/>
+                    <adec:decorative xmlns="" xmlns:adec="http://schemas.microsoft.com/office/drawing/2017/decorative" val="1"/>
                   </a:ext>
                 </a:extLst>
               </p:cNvPr>
@@ -22731,7 +22731,7 @@
               <p:cNvPr id="95" name="Straight Connector 94">
                 <a:extLst>
                   <a:ext uri="{C183D7F6-B498-43B3-948B-1728B52AA6E4}">
-                    <adec:decorative xmlns:adec="http://schemas.microsoft.com/office/drawing/2017/decorative" xmlns="" val="1"/>
+                    <adec:decorative xmlns="" xmlns:adec="http://schemas.microsoft.com/office/drawing/2017/decorative" val="1"/>
                   </a:ext>
                 </a:extLst>
               </p:cNvPr>
@@ -22774,7 +22774,7 @@
               <p:cNvPr id="96" name="Straight Connector 95">
                 <a:extLst>
                   <a:ext uri="{C183D7F6-B498-43B3-948B-1728B52AA6E4}">
-                    <adec:decorative xmlns:adec="http://schemas.microsoft.com/office/drawing/2017/decorative" xmlns="" val="1"/>
+                    <adec:decorative xmlns="" xmlns:adec="http://schemas.microsoft.com/office/drawing/2017/decorative" val="1"/>
                   </a:ext>
                 </a:extLst>
               </p:cNvPr>
@@ -22817,7 +22817,7 @@
               <p:cNvPr id="97" name="Straight Connector 96">
                 <a:extLst>
                   <a:ext uri="{C183D7F6-B498-43B3-948B-1728B52AA6E4}">
-                    <adec:decorative xmlns:adec="http://schemas.microsoft.com/office/drawing/2017/decorative" xmlns="" val="1"/>
+                    <adec:decorative xmlns="" xmlns:adec="http://schemas.microsoft.com/office/drawing/2017/decorative" val="1"/>
                   </a:ext>
                 </a:extLst>
               </p:cNvPr>
@@ -22860,7 +22860,7 @@
               <p:cNvPr id="98" name="Straight Connector 97">
                 <a:extLst>
                   <a:ext uri="{C183D7F6-B498-43B3-948B-1728B52AA6E4}">
-                    <adec:decorative xmlns:adec="http://schemas.microsoft.com/office/drawing/2017/decorative" xmlns="" val="1"/>
+                    <adec:decorative xmlns="" xmlns:adec="http://schemas.microsoft.com/office/drawing/2017/decorative" val="1"/>
                   </a:ext>
                 </a:extLst>
               </p:cNvPr>
@@ -22903,7 +22903,7 @@
               <p:cNvPr id="99" name="Straight Connector 98">
                 <a:extLst>
                   <a:ext uri="{C183D7F6-B498-43B3-948B-1728B52AA6E4}">
-                    <adec:decorative xmlns:adec="http://schemas.microsoft.com/office/drawing/2017/decorative" xmlns="" val="1"/>
+                    <adec:decorative xmlns="" xmlns:adec="http://schemas.microsoft.com/office/drawing/2017/decorative" val="1"/>
                   </a:ext>
                 </a:extLst>
               </p:cNvPr>
@@ -22946,7 +22946,7 @@
               <p:cNvPr id="100" name="Straight Connector 99">
                 <a:extLst>
                   <a:ext uri="{C183D7F6-B498-43B3-948B-1728B52AA6E4}">
-                    <adec:decorative xmlns:adec="http://schemas.microsoft.com/office/drawing/2017/decorative" xmlns="" val="1"/>
+                    <adec:decorative xmlns="" xmlns:adec="http://schemas.microsoft.com/office/drawing/2017/decorative" val="1"/>
                   </a:ext>
                 </a:extLst>
               </p:cNvPr>
@@ -22989,7 +22989,7 @@
               <p:cNvPr id="101" name="Straight Connector 100">
                 <a:extLst>
                   <a:ext uri="{C183D7F6-B498-43B3-948B-1728B52AA6E4}">
-                    <adec:decorative xmlns:adec="http://schemas.microsoft.com/office/drawing/2017/decorative" xmlns="" val="1"/>
+                    <adec:decorative xmlns="" xmlns:adec="http://schemas.microsoft.com/office/drawing/2017/decorative" val="1"/>
                   </a:ext>
                 </a:extLst>
               </p:cNvPr>
@@ -23032,7 +23032,7 @@
               <p:cNvPr id="102" name="Straight Connector 101">
                 <a:extLst>
                   <a:ext uri="{C183D7F6-B498-43B3-948B-1728B52AA6E4}">
-                    <adec:decorative xmlns:adec="http://schemas.microsoft.com/office/drawing/2017/decorative" xmlns="" val="1"/>
+                    <adec:decorative xmlns="" xmlns:adec="http://schemas.microsoft.com/office/drawing/2017/decorative" val="1"/>
                   </a:ext>
                 </a:extLst>
               </p:cNvPr>
@@ -23075,7 +23075,7 @@
               <p:cNvPr id="103" name="Straight Connector 102">
                 <a:extLst>
                   <a:ext uri="{C183D7F6-B498-43B3-948B-1728B52AA6E4}">
-                    <adec:decorative xmlns:adec="http://schemas.microsoft.com/office/drawing/2017/decorative" xmlns="" val="1"/>
+                    <adec:decorative xmlns="" xmlns:adec="http://schemas.microsoft.com/office/drawing/2017/decorative" val="1"/>
                   </a:ext>
                 </a:extLst>
               </p:cNvPr>
@@ -23133,7 +23133,7 @@
               <p:cNvPr id="82" name="Straight Connector 81">
                 <a:extLst>
                   <a:ext uri="{C183D7F6-B498-43B3-948B-1728B52AA6E4}">
-                    <adec:decorative xmlns:adec="http://schemas.microsoft.com/office/drawing/2017/decorative" xmlns="" val="1"/>
+                    <adec:decorative xmlns="" xmlns:adec="http://schemas.microsoft.com/office/drawing/2017/decorative" val="1"/>
                   </a:ext>
                 </a:extLst>
               </p:cNvPr>
@@ -23176,7 +23176,7 @@
               <p:cNvPr id="83" name="Straight Connector 82">
                 <a:extLst>
                   <a:ext uri="{C183D7F6-B498-43B3-948B-1728B52AA6E4}">
-                    <adec:decorative xmlns:adec="http://schemas.microsoft.com/office/drawing/2017/decorative" xmlns="" val="1"/>
+                    <adec:decorative xmlns="" xmlns:adec="http://schemas.microsoft.com/office/drawing/2017/decorative" val="1"/>
                   </a:ext>
                 </a:extLst>
               </p:cNvPr>
@@ -23219,7 +23219,7 @@
               <p:cNvPr id="84" name="Straight Connector 83">
                 <a:extLst>
                   <a:ext uri="{C183D7F6-B498-43B3-948B-1728B52AA6E4}">
-                    <adec:decorative xmlns:adec="http://schemas.microsoft.com/office/drawing/2017/decorative" xmlns="" val="1"/>
+                    <adec:decorative xmlns="" xmlns:adec="http://schemas.microsoft.com/office/drawing/2017/decorative" val="1"/>
                   </a:ext>
                 </a:extLst>
               </p:cNvPr>
@@ -23262,7 +23262,7 @@
               <p:cNvPr id="85" name="Straight Connector 84">
                 <a:extLst>
                   <a:ext uri="{C183D7F6-B498-43B3-948B-1728B52AA6E4}">
-                    <adec:decorative xmlns:adec="http://schemas.microsoft.com/office/drawing/2017/decorative" xmlns="" val="1"/>
+                    <adec:decorative xmlns="" xmlns:adec="http://schemas.microsoft.com/office/drawing/2017/decorative" val="1"/>
                   </a:ext>
                 </a:extLst>
               </p:cNvPr>
@@ -23305,7 +23305,7 @@
               <p:cNvPr id="86" name="Straight Connector 85">
                 <a:extLst>
                   <a:ext uri="{C183D7F6-B498-43B3-948B-1728B52AA6E4}">
-                    <adec:decorative xmlns:adec="http://schemas.microsoft.com/office/drawing/2017/decorative" xmlns="" val="1"/>
+                    <adec:decorative xmlns="" xmlns:adec="http://schemas.microsoft.com/office/drawing/2017/decorative" val="1"/>
                   </a:ext>
                 </a:extLst>
               </p:cNvPr>
@@ -23348,7 +23348,7 @@
               <p:cNvPr id="87" name="Straight Connector 86">
                 <a:extLst>
                   <a:ext uri="{C183D7F6-B498-43B3-948B-1728B52AA6E4}">
-                    <adec:decorative xmlns:adec="http://schemas.microsoft.com/office/drawing/2017/decorative" xmlns="" val="1"/>
+                    <adec:decorative xmlns="" xmlns:adec="http://schemas.microsoft.com/office/drawing/2017/decorative" val="1"/>
                   </a:ext>
                 </a:extLst>
               </p:cNvPr>
@@ -23391,7 +23391,7 @@
               <p:cNvPr id="88" name="Straight Connector 87">
                 <a:extLst>
                   <a:ext uri="{C183D7F6-B498-43B3-948B-1728B52AA6E4}">
-                    <adec:decorative xmlns:adec="http://schemas.microsoft.com/office/drawing/2017/decorative" xmlns="" val="1"/>
+                    <adec:decorative xmlns="" xmlns:adec="http://schemas.microsoft.com/office/drawing/2017/decorative" val="1"/>
                   </a:ext>
                 </a:extLst>
               </p:cNvPr>
@@ -23434,7 +23434,7 @@
               <p:cNvPr id="89" name="Straight Connector 88">
                 <a:extLst>
                   <a:ext uri="{C183D7F6-B498-43B3-948B-1728B52AA6E4}">
-                    <adec:decorative xmlns:adec="http://schemas.microsoft.com/office/drawing/2017/decorative" xmlns="" val="1"/>
+                    <adec:decorative xmlns="" xmlns:adec="http://schemas.microsoft.com/office/drawing/2017/decorative" val="1"/>
                   </a:ext>
                 </a:extLst>
               </p:cNvPr>
@@ -23477,7 +23477,7 @@
               <p:cNvPr id="90" name="Straight Connector 89">
                 <a:extLst>
                   <a:ext uri="{C183D7F6-B498-43B3-948B-1728B52AA6E4}">
-                    <adec:decorative xmlns:adec="http://schemas.microsoft.com/office/drawing/2017/decorative" xmlns="" val="1"/>
+                    <adec:decorative xmlns="" xmlns:adec="http://schemas.microsoft.com/office/drawing/2017/decorative" val="1"/>
                   </a:ext>
                 </a:extLst>
               </p:cNvPr>
@@ -23520,7 +23520,7 @@
               <p:cNvPr id="91" name="Straight Connector 90">
                 <a:extLst>
                   <a:ext uri="{C183D7F6-B498-43B3-948B-1728B52AA6E4}">
-                    <adec:decorative xmlns:adec="http://schemas.microsoft.com/office/drawing/2017/decorative" xmlns="" val="1"/>
+                    <adec:decorative xmlns="" xmlns:adec="http://schemas.microsoft.com/office/drawing/2017/decorative" val="1"/>
                   </a:ext>
                 </a:extLst>
               </p:cNvPr>
@@ -23563,7 +23563,7 @@
               <p:cNvPr id="92" name="Straight Connector 91">
                 <a:extLst>
                   <a:ext uri="{C183D7F6-B498-43B3-948B-1728B52AA6E4}">
-                    <adec:decorative xmlns:adec="http://schemas.microsoft.com/office/drawing/2017/decorative" xmlns="" val="1"/>
+                    <adec:decorative xmlns="" xmlns:adec="http://schemas.microsoft.com/office/drawing/2017/decorative" val="1"/>
                   </a:ext>
                 </a:extLst>
               </p:cNvPr>
@@ -23621,7 +23621,7 @@
               <p:cNvPr id="73" name="Straight Connector 72">
                 <a:extLst>
                   <a:ext uri="{C183D7F6-B498-43B3-948B-1728B52AA6E4}">
-                    <adec:decorative xmlns:adec="http://schemas.microsoft.com/office/drawing/2017/decorative" xmlns="" val="1"/>
+                    <adec:decorative xmlns="" xmlns:adec="http://schemas.microsoft.com/office/drawing/2017/decorative" val="1"/>
                   </a:ext>
                 </a:extLst>
               </p:cNvPr>
@@ -23664,7 +23664,7 @@
               <p:cNvPr id="74" name="Straight Connector 73">
                 <a:extLst>
                   <a:ext uri="{C183D7F6-B498-43B3-948B-1728B52AA6E4}">
-                    <adec:decorative xmlns:adec="http://schemas.microsoft.com/office/drawing/2017/decorative" xmlns="" val="1"/>
+                    <adec:decorative xmlns="" xmlns:adec="http://schemas.microsoft.com/office/drawing/2017/decorative" val="1"/>
                   </a:ext>
                 </a:extLst>
               </p:cNvPr>
@@ -23707,7 +23707,7 @@
               <p:cNvPr id="75" name="Straight Connector 74">
                 <a:extLst>
                   <a:ext uri="{C183D7F6-B498-43B3-948B-1728B52AA6E4}">
-                    <adec:decorative xmlns:adec="http://schemas.microsoft.com/office/drawing/2017/decorative" xmlns="" val="1"/>
+                    <adec:decorative xmlns="" xmlns:adec="http://schemas.microsoft.com/office/drawing/2017/decorative" val="1"/>
                   </a:ext>
                 </a:extLst>
               </p:cNvPr>
@@ -23750,7 +23750,7 @@
               <p:cNvPr id="76" name="Straight Connector 75">
                 <a:extLst>
                   <a:ext uri="{C183D7F6-B498-43B3-948B-1728B52AA6E4}">
-                    <adec:decorative xmlns:adec="http://schemas.microsoft.com/office/drawing/2017/decorative" xmlns="" val="1"/>
+                    <adec:decorative xmlns="" xmlns:adec="http://schemas.microsoft.com/office/drawing/2017/decorative" val="1"/>
                   </a:ext>
                 </a:extLst>
               </p:cNvPr>
@@ -23793,7 +23793,7 @@
               <p:cNvPr id="77" name="Straight Connector 76">
                 <a:extLst>
                   <a:ext uri="{C183D7F6-B498-43B3-948B-1728B52AA6E4}">
-                    <adec:decorative xmlns:adec="http://schemas.microsoft.com/office/drawing/2017/decorative" xmlns="" val="1"/>
+                    <adec:decorative xmlns="" xmlns:adec="http://schemas.microsoft.com/office/drawing/2017/decorative" val="1"/>
                   </a:ext>
                 </a:extLst>
               </p:cNvPr>
@@ -23836,7 +23836,7 @@
               <p:cNvPr id="78" name="Straight Connector 77">
                 <a:extLst>
                   <a:ext uri="{C183D7F6-B498-43B3-948B-1728B52AA6E4}">
-                    <adec:decorative xmlns:adec="http://schemas.microsoft.com/office/drawing/2017/decorative" xmlns="" val="1"/>
+                    <adec:decorative xmlns="" xmlns:adec="http://schemas.microsoft.com/office/drawing/2017/decorative" val="1"/>
                   </a:ext>
                 </a:extLst>
               </p:cNvPr>
@@ -23879,7 +23879,7 @@
               <p:cNvPr id="79" name="Straight Connector 78">
                 <a:extLst>
                   <a:ext uri="{C183D7F6-B498-43B3-948B-1728B52AA6E4}">
-                    <adec:decorative xmlns:adec="http://schemas.microsoft.com/office/drawing/2017/decorative" xmlns="" val="1"/>
+                    <adec:decorative xmlns="" xmlns:adec="http://schemas.microsoft.com/office/drawing/2017/decorative" val="1"/>
                   </a:ext>
                 </a:extLst>
               </p:cNvPr>
@@ -23922,7 +23922,7 @@
               <p:cNvPr id="80" name="Straight Connector 79">
                 <a:extLst>
                   <a:ext uri="{C183D7F6-B498-43B3-948B-1728B52AA6E4}">
-                    <adec:decorative xmlns:adec="http://schemas.microsoft.com/office/drawing/2017/decorative" xmlns="" val="1"/>
+                    <adec:decorative xmlns="" xmlns:adec="http://schemas.microsoft.com/office/drawing/2017/decorative" val="1"/>
                   </a:ext>
                 </a:extLst>
               </p:cNvPr>
@@ -23965,7 +23965,7 @@
               <p:cNvPr id="81" name="Straight Connector 80">
                 <a:extLst>
                   <a:ext uri="{C183D7F6-B498-43B3-948B-1728B52AA6E4}">
-                    <adec:decorative xmlns:adec="http://schemas.microsoft.com/office/drawing/2017/decorative" xmlns="" val="1"/>
+                    <adec:decorative xmlns="" xmlns:adec="http://schemas.microsoft.com/office/drawing/2017/decorative" val="1"/>
                   </a:ext>
                 </a:extLst>
               </p:cNvPr>
@@ -24023,7 +24023,7 @@
               <p:cNvPr id="64" name="Straight Connector 63">
                 <a:extLst>
                   <a:ext uri="{C183D7F6-B498-43B3-948B-1728B52AA6E4}">
-                    <adec:decorative xmlns:adec="http://schemas.microsoft.com/office/drawing/2017/decorative" xmlns="" val="1"/>
+                    <adec:decorative xmlns="" xmlns:adec="http://schemas.microsoft.com/office/drawing/2017/decorative" val="1"/>
                   </a:ext>
                 </a:extLst>
               </p:cNvPr>
@@ -24066,7 +24066,7 @@
               <p:cNvPr id="65" name="Straight Connector 64">
                 <a:extLst>
                   <a:ext uri="{C183D7F6-B498-43B3-948B-1728B52AA6E4}">
-                    <adec:decorative xmlns:adec="http://schemas.microsoft.com/office/drawing/2017/decorative" xmlns="" val="1"/>
+                    <adec:decorative xmlns="" xmlns:adec="http://schemas.microsoft.com/office/drawing/2017/decorative" val="1"/>
                   </a:ext>
                 </a:extLst>
               </p:cNvPr>
@@ -24109,7 +24109,7 @@
               <p:cNvPr id="66" name="Straight Connector 65">
                 <a:extLst>
                   <a:ext uri="{C183D7F6-B498-43B3-948B-1728B52AA6E4}">
-                    <adec:decorative xmlns:adec="http://schemas.microsoft.com/office/drawing/2017/decorative" xmlns="" val="1"/>
+                    <adec:decorative xmlns="" xmlns:adec="http://schemas.microsoft.com/office/drawing/2017/decorative" val="1"/>
                   </a:ext>
                 </a:extLst>
               </p:cNvPr>
@@ -24152,7 +24152,7 @@
               <p:cNvPr id="67" name="Straight Connector 66">
                 <a:extLst>
                   <a:ext uri="{C183D7F6-B498-43B3-948B-1728B52AA6E4}">
-                    <adec:decorative xmlns:adec="http://schemas.microsoft.com/office/drawing/2017/decorative" xmlns="" val="1"/>
+                    <adec:decorative xmlns="" xmlns:adec="http://schemas.microsoft.com/office/drawing/2017/decorative" val="1"/>
                   </a:ext>
                 </a:extLst>
               </p:cNvPr>
@@ -24195,7 +24195,7 @@
               <p:cNvPr id="68" name="Straight Connector 67">
                 <a:extLst>
                   <a:ext uri="{C183D7F6-B498-43B3-948B-1728B52AA6E4}">
-                    <adec:decorative xmlns:adec="http://schemas.microsoft.com/office/drawing/2017/decorative" xmlns="" val="1"/>
+                    <adec:decorative xmlns="" xmlns:adec="http://schemas.microsoft.com/office/drawing/2017/decorative" val="1"/>
                   </a:ext>
                 </a:extLst>
               </p:cNvPr>
@@ -24238,7 +24238,7 @@
               <p:cNvPr id="69" name="Straight Connector 68">
                 <a:extLst>
                   <a:ext uri="{C183D7F6-B498-43B3-948B-1728B52AA6E4}">
-                    <adec:decorative xmlns:adec="http://schemas.microsoft.com/office/drawing/2017/decorative" xmlns="" val="1"/>
+                    <adec:decorative xmlns="" xmlns:adec="http://schemas.microsoft.com/office/drawing/2017/decorative" val="1"/>
                   </a:ext>
                 </a:extLst>
               </p:cNvPr>
@@ -24281,7 +24281,7 @@
               <p:cNvPr id="70" name="Straight Connector 69">
                 <a:extLst>
                   <a:ext uri="{C183D7F6-B498-43B3-948B-1728B52AA6E4}">
-                    <adec:decorative xmlns:adec="http://schemas.microsoft.com/office/drawing/2017/decorative" xmlns="" val="1"/>
+                    <adec:decorative xmlns="" xmlns:adec="http://schemas.microsoft.com/office/drawing/2017/decorative" val="1"/>
                   </a:ext>
                 </a:extLst>
               </p:cNvPr>
@@ -24324,7 +24324,7 @@
               <p:cNvPr id="71" name="Straight Connector 70">
                 <a:extLst>
                   <a:ext uri="{C183D7F6-B498-43B3-948B-1728B52AA6E4}">
-                    <adec:decorative xmlns:adec="http://schemas.microsoft.com/office/drawing/2017/decorative" xmlns="" val="1"/>
+                    <adec:decorative xmlns="" xmlns:adec="http://schemas.microsoft.com/office/drawing/2017/decorative" val="1"/>
                   </a:ext>
                 </a:extLst>
               </p:cNvPr>
@@ -24367,7 +24367,7 @@
               <p:cNvPr id="72" name="Straight Connector 71">
                 <a:extLst>
                   <a:ext uri="{C183D7F6-B498-43B3-948B-1728B52AA6E4}">
-                    <adec:decorative xmlns:adec="http://schemas.microsoft.com/office/drawing/2017/decorative" xmlns="" val="1"/>
+                    <adec:decorative xmlns="" xmlns:adec="http://schemas.microsoft.com/office/drawing/2017/decorative" val="1"/>
                   </a:ext>
                 </a:extLst>
               </p:cNvPr>
@@ -25157,11 +25157,7 @@
           <a:p>
             <a:r>
               <a:rPr lang="en-US" dirty="0" smtClean="0"/>
-              <a:t>Eraraya </a:t>
-            </a:r>
-            <a:r>
-              <a:rPr lang="en-US" dirty="0" smtClean="0"/>
-              <a:t>Ricardo Muten</a:t>
+              <a:t>Eraraya Ricardo Muten</a:t>
             </a:r>
             <a:endParaRPr lang="en-US" dirty="0"/>
           </a:p>
@@ -25242,7 +25238,7 @@
             </a:r>
             <a:r>
               <a:rPr lang="en-US" dirty="0" smtClean="0"/>
-              <a:t>IBM</a:t>
+              <a:t>IBM Quantum</a:t>
             </a:r>
           </a:p>
           <a:p>
@@ -25447,6 +25443,354 @@
           </a:p>
         </p:txBody>
       </p:sp>
+      <p:sp>
+        <p:nvSpPr>
+          <p:cNvPr id="6" name="Text Placeholder 2"/>
+          <p:cNvSpPr txBox="1">
+            <a:spLocks/>
+          </p:cNvSpPr>
+          <p:nvPr/>
+        </p:nvSpPr>
+        <p:spPr>
+          <a:xfrm>
+            <a:off x="267591" y="4181356"/>
+            <a:ext cx="8608997" cy="460494"/>
+          </a:xfrm>
+          <a:prstGeom prst="rect">
+            <a:avLst/>
+          </a:prstGeom>
+        </p:spPr>
+        <p:txBody>
+          <a:bodyPr vert="horz" lIns="0" tIns="0" rIns="0" bIns="0" rtlCol="0">
+            <a:noAutofit/>
+          </a:bodyPr>
+          <a:lstStyle>
+            <a:lvl1pPr marL="0" indent="0" algn="l" rtl="0" eaLnBrk="1" fontAlgn="base" hangingPunct="1">
+              <a:lnSpc>
+                <a:spcPct val="110000"/>
+              </a:lnSpc>
+              <a:spcBef>
+                <a:spcPts val="1100"/>
+              </a:spcBef>
+              <a:spcAft>
+                <a:spcPct val="0"/>
+              </a:spcAft>
+              <a:buClr>
+                <a:srgbClr val="161616"/>
+              </a:buClr>
+              <a:buSzPct val="90000"/>
+              <a:buFont typeface="Arial" panose="020B0604020202020204" pitchFamily="34" charset="0"/>
+              <a:buNone/>
+              <a:defRPr sz="1400">
+                <a:solidFill>
+                  <a:schemeClr val="bg1"/>
+                </a:solidFill>
+                <a:latin typeface="IBM Plex Sans" panose="020B0503050203000203" pitchFamily="34" charset="0"/>
+                <a:ea typeface="IBM Plex Sans" panose="020B0503050203000203" pitchFamily="34" charset="0"/>
+                <a:cs typeface="IBM Plex Sans" panose="020B0503050203000203" pitchFamily="34" charset="0"/>
+              </a:defRPr>
+            </a:lvl1pPr>
+            <a:lvl2pPr marL="137160" indent="-137160" algn="l" rtl="0" eaLnBrk="1" fontAlgn="base" hangingPunct="1">
+              <a:lnSpc>
+                <a:spcPct val="110000"/>
+              </a:lnSpc>
+              <a:spcBef>
+                <a:spcPts val="1100"/>
+              </a:spcBef>
+              <a:spcAft>
+                <a:spcPct val="0"/>
+              </a:spcAft>
+              <a:buClr>
+                <a:schemeClr val="bg1"/>
+              </a:buClr>
+              <a:buSzPct val="80000"/>
+              <a:buFont typeface="System Font Regular"/>
+              <a:buChar char="–"/>
+              <a:tabLst/>
+              <a:defRPr sz="1400">
+                <a:solidFill>
+                  <a:schemeClr val="bg1"/>
+                </a:solidFill>
+                <a:latin typeface="IBM Plex Sans" panose="020B0503050203000203" pitchFamily="34" charset="0"/>
+                <a:ea typeface="IBM Plex Sans" panose="020B0503050203000203" pitchFamily="34" charset="0"/>
+                <a:cs typeface="IBM Plex Sans" panose="020B0503050203000203" pitchFamily="34" charset="0"/>
+              </a:defRPr>
+            </a:lvl2pPr>
+            <a:lvl3pPr marL="283464" indent="-100584" algn="l" rtl="0" eaLnBrk="1" fontAlgn="base" hangingPunct="1">
+              <a:lnSpc>
+                <a:spcPct val="110000"/>
+              </a:lnSpc>
+              <a:spcBef>
+                <a:spcPts val="1100"/>
+              </a:spcBef>
+              <a:spcAft>
+                <a:spcPct val="0"/>
+              </a:spcAft>
+              <a:buClr>
+                <a:schemeClr val="bg1"/>
+              </a:buClr>
+              <a:buSzPct val="80000"/>
+              <a:buFont typeface="Arial" panose="020B0604020202020204" pitchFamily="34" charset="0"/>
+              <a:buChar char="•"/>
+              <a:tabLst/>
+              <a:defRPr sz="1400">
+                <a:solidFill>
+                  <a:schemeClr val="bg1"/>
+                </a:solidFill>
+                <a:latin typeface="IBM Plex Sans" panose="020B0503050203000203" pitchFamily="34" charset="0"/>
+                <a:ea typeface="IBM Plex Sans" panose="020B0503050203000203" pitchFamily="34" charset="0"/>
+                <a:cs typeface="IBM Plex Sans" panose="020B0503050203000203" pitchFamily="34" charset="0"/>
+              </a:defRPr>
+            </a:lvl3pPr>
+            <a:lvl4pPr marL="512064" indent="-137160" algn="l" rtl="0" eaLnBrk="1" fontAlgn="base" hangingPunct="1">
+              <a:lnSpc>
+                <a:spcPct val="110000"/>
+              </a:lnSpc>
+              <a:spcBef>
+                <a:spcPts val="1100"/>
+              </a:spcBef>
+              <a:spcAft>
+                <a:spcPct val="0"/>
+              </a:spcAft>
+              <a:buClr>
+                <a:schemeClr val="bg1"/>
+              </a:buClr>
+              <a:buSzPct val="80000"/>
+              <a:buFont typeface=".AppleSystemUIFont" charset="-120"/>
+              <a:buChar char="–"/>
+              <a:tabLst/>
+              <a:defRPr sz="1400" baseline="0">
+                <a:solidFill>
+                  <a:schemeClr val="bg1"/>
+                </a:solidFill>
+                <a:latin typeface="IBM Plex Sans" panose="020B0503050203000203" pitchFamily="34" charset="0"/>
+                <a:ea typeface="IBM Plex Sans" panose="020B0503050203000203" pitchFamily="34" charset="0"/>
+                <a:cs typeface="IBM Plex Sans" panose="020B0503050203000203" pitchFamily="34" charset="0"/>
+              </a:defRPr>
+            </a:lvl4pPr>
+            <a:lvl5pPr marL="803285" indent="-173736" algn="l" rtl="0" eaLnBrk="1" fontAlgn="base" hangingPunct="1">
+              <a:lnSpc>
+                <a:spcPct val="110000"/>
+              </a:lnSpc>
+              <a:spcBef>
+                <a:spcPts val="1100"/>
+              </a:spcBef>
+              <a:spcAft>
+                <a:spcPct val="0"/>
+              </a:spcAft>
+              <a:buClr>
+                <a:schemeClr val="bg1"/>
+              </a:buClr>
+              <a:buSzPct val="80000"/>
+              <a:buFont typeface=".AppleSystemUIFont" charset="-120"/>
+              <a:buChar char="»"/>
+              <a:tabLst/>
+              <a:defRPr sz="1400">
+                <a:solidFill>
+                  <a:schemeClr val="bg1"/>
+                </a:solidFill>
+                <a:latin typeface="IBM Plex Sans" panose="020B0503050203000203" pitchFamily="34" charset="0"/>
+                <a:ea typeface="IBM Plex Sans" panose="020B0503050203000203" pitchFamily="34" charset="0"/>
+                <a:cs typeface="IBM Plex Sans" panose="020B0503050203000203" pitchFamily="34" charset="0"/>
+              </a:defRPr>
+            </a:lvl5pPr>
+            <a:lvl6pPr marL="1583721" indent="-129670" algn="l" rtl="0" eaLnBrk="1" fontAlgn="base" hangingPunct="1">
+              <a:spcBef>
+                <a:spcPct val="20000"/>
+              </a:spcBef>
+              <a:spcAft>
+                <a:spcPct val="0"/>
+              </a:spcAft>
+              <a:buClr>
+                <a:schemeClr val="bg1"/>
+              </a:buClr>
+              <a:buChar char="»"/>
+              <a:defRPr sz="1269">
+                <a:solidFill>
+                  <a:schemeClr val="bg1"/>
+                </a:solidFill>
+                <a:latin typeface="Arial" charset="0"/>
+              </a:defRPr>
+            </a:lvl6pPr>
+            <a:lvl7pPr marL="1946291" indent="-129670" algn="l" rtl="0" eaLnBrk="1" fontAlgn="base" hangingPunct="1">
+              <a:spcBef>
+                <a:spcPct val="20000"/>
+              </a:spcBef>
+              <a:spcAft>
+                <a:spcPct val="0"/>
+              </a:spcAft>
+              <a:buClr>
+                <a:schemeClr val="bg1"/>
+              </a:buClr>
+              <a:buChar char="»"/>
+              <a:defRPr sz="1269">
+                <a:solidFill>
+                  <a:schemeClr val="bg1"/>
+                </a:solidFill>
+                <a:latin typeface="Arial" charset="0"/>
+              </a:defRPr>
+            </a:lvl7pPr>
+            <a:lvl8pPr marL="2308860" indent="-129670" algn="l" rtl="0" eaLnBrk="1" fontAlgn="base" hangingPunct="1">
+              <a:spcBef>
+                <a:spcPct val="20000"/>
+              </a:spcBef>
+              <a:spcAft>
+                <a:spcPct val="0"/>
+              </a:spcAft>
+              <a:buClr>
+                <a:schemeClr val="bg1"/>
+              </a:buClr>
+              <a:buChar char="»"/>
+              <a:defRPr sz="1269">
+                <a:solidFill>
+                  <a:schemeClr val="bg1"/>
+                </a:solidFill>
+                <a:latin typeface="Arial" charset="0"/>
+              </a:defRPr>
+            </a:lvl8pPr>
+            <a:lvl9pPr marL="2671430" indent="-129670" algn="l" rtl="0" eaLnBrk="1" fontAlgn="base" hangingPunct="1">
+              <a:spcBef>
+                <a:spcPct val="20000"/>
+              </a:spcBef>
+              <a:spcAft>
+                <a:spcPct val="0"/>
+              </a:spcAft>
+              <a:buClr>
+                <a:schemeClr val="bg1"/>
+              </a:buClr>
+              <a:buChar char="»"/>
+              <a:defRPr sz="1269">
+                <a:solidFill>
+                  <a:schemeClr val="bg1"/>
+                </a:solidFill>
+                <a:latin typeface="Arial" charset="0"/>
+              </a:defRPr>
+            </a:lvl9pPr>
+          </a:lstStyle>
+          <a:p>
+            <a:pPr defTabSz="914400"/>
+            <a:r>
+              <a:rPr lang="en-US" sz="900" kern="0" dirty="0" smtClean="0"/>
+              <a:t>[1] Pérez-Salinas A, </a:t>
+            </a:r>
+            <a:r>
+              <a:rPr lang="en-US" sz="900" kern="0" dirty="0" err="1" smtClean="0"/>
+              <a:t>Cervera-Lierta</a:t>
+            </a:r>
+            <a:r>
+              <a:rPr lang="en-US" sz="900" kern="0" dirty="0" smtClean="0"/>
+              <a:t> A, Gil-</a:t>
+            </a:r>
+            <a:r>
+              <a:rPr lang="en-US" sz="900" kern="0" dirty="0" err="1" smtClean="0"/>
+              <a:t>Fuster</a:t>
+            </a:r>
+            <a:r>
+              <a:rPr lang="en-US" sz="900" kern="0" dirty="0" smtClean="0"/>
+              <a:t> E, </a:t>
+            </a:r>
+            <a:r>
+              <a:rPr lang="en-US" sz="900" kern="0" dirty="0" err="1" smtClean="0"/>
+              <a:t>Latorre</a:t>
+            </a:r>
+            <a:r>
+              <a:rPr lang="en-US" sz="900" kern="0" dirty="0" smtClean="0"/>
+              <a:t> JI. Data </a:t>
+            </a:r>
+            <a:r>
+              <a:rPr lang="en-US" sz="900" kern="0" dirty="0" err="1" smtClean="0"/>
+              <a:t>reuploading</a:t>
+            </a:r>
+            <a:r>
+              <a:rPr lang="en-US" sz="900" kern="0" dirty="0" smtClean="0"/>
+              <a:t> for a universal quantum classifier. Quantum 2020;4:226. https://doi.org/10.22331/q-2020-02-06-226.</a:t>
+            </a:r>
+            <a:br>
+              <a:rPr lang="en-US" sz="900" kern="0" dirty="0" smtClean="0"/>
+            </a:br>
+            <a:r>
+              <a:rPr lang="en-US" sz="900" kern="0" dirty="0" smtClean="0"/>
+              <a:t>[2] </a:t>
+            </a:r>
+            <a:r>
+              <a:rPr lang="es-ES" sz="900" kern="0" dirty="0" err="1" smtClean="0"/>
+              <a:t>LeCun</a:t>
+            </a:r>
+            <a:r>
+              <a:rPr lang="es-ES" sz="900" kern="0" dirty="0" smtClean="0"/>
+              <a:t> Y, Cortes C. MNIST </a:t>
+            </a:r>
+            <a:r>
+              <a:rPr lang="es-ES" sz="900" kern="0" dirty="0" err="1" smtClean="0"/>
+              <a:t>handwritten</a:t>
+            </a:r>
+            <a:r>
+              <a:rPr lang="es-ES" sz="900" kern="0" dirty="0" smtClean="0"/>
+              <a:t> </a:t>
+            </a:r>
+            <a:r>
+              <a:rPr lang="es-ES" sz="900" kern="0" dirty="0" err="1" smtClean="0"/>
+              <a:t>digit</a:t>
+            </a:r>
+            <a:r>
+              <a:rPr lang="es-ES" sz="900" kern="0" dirty="0" smtClean="0"/>
+              <a:t> </a:t>
+            </a:r>
+            <a:r>
+              <a:rPr lang="es-ES" sz="900" kern="0" dirty="0" err="1" smtClean="0"/>
+              <a:t>database</a:t>
+            </a:r>
+            <a:r>
+              <a:rPr lang="es-ES" sz="900" kern="0" dirty="0" smtClean="0"/>
+              <a:t> 2010.</a:t>
+            </a:r>
+            <a:br>
+              <a:rPr lang="es-ES" sz="900" kern="0" dirty="0" smtClean="0"/>
+            </a:br>
+            <a:r>
+              <a:rPr lang="es-ES" sz="900" kern="0" dirty="0" smtClean="0"/>
+              <a:t>[3] </a:t>
+            </a:r>
+            <a:r>
+              <a:rPr lang="en-US" sz="900" kern="0" dirty="0" smtClean="0"/>
+              <a:t>Verdon G, McCourt T, </a:t>
+            </a:r>
+            <a:r>
+              <a:rPr lang="en-US" sz="900" kern="0" dirty="0" err="1" smtClean="0"/>
+              <a:t>Luzhnica</a:t>
+            </a:r>
+            <a:r>
+              <a:rPr lang="en-US" sz="900" kern="0" dirty="0" smtClean="0"/>
+              <a:t> E, Singh V, </a:t>
+            </a:r>
+            <a:r>
+              <a:rPr lang="en-US" sz="900" kern="0" dirty="0" err="1" smtClean="0"/>
+              <a:t>Leichenauer</a:t>
+            </a:r>
+            <a:r>
+              <a:rPr lang="en-US" sz="900" kern="0" dirty="0" smtClean="0"/>
+              <a:t> S, </a:t>
+            </a:r>
+            <a:r>
+              <a:rPr lang="en-US" sz="900" kern="0" dirty="0" err="1" smtClean="0"/>
+              <a:t>Hidary</a:t>
+            </a:r>
+            <a:r>
+              <a:rPr lang="en-US" sz="900" kern="0" dirty="0" smtClean="0"/>
+              <a:t> J. Quantum Graph Neural Networks. </a:t>
+            </a:r>
+            <a:r>
+              <a:rPr lang="en-US" sz="900" kern="0" dirty="0" err="1" smtClean="0"/>
+              <a:t>ArXiv</a:t>
+            </a:r>
+            <a:r>
+              <a:rPr lang="en-US" sz="900" kern="0" dirty="0" smtClean="0"/>
+              <a:t> 2019.</a:t>
+            </a:r>
+            <a:endParaRPr lang="en-US" sz="900" kern="0" dirty="0"/>
+          </a:p>
+        </p:txBody>
+      </p:sp>
     </p:spTree>
     <p:extLst>
       <p:ext uri="{BB962C8B-B14F-4D97-AF65-F5344CB8AC3E}">
@@ -25521,7 +25865,7 @@
             </a:pPr>
             <a:r>
               <a:rPr lang="en-US" dirty="0" smtClean="0"/>
-              <a:t>The final notebook for project number 1 is finished. We obtained similar training and testing accuracy compared to the PennyLane implementation. For binary classification (0 vs 1) we obtained:</a:t>
+              <a:t>The final notebook for project number 1 is finished. As expected, we obtained similar training and testing accuracy compared to the PennyLane implementation. For binary classification (0 vs 1) we obtained:</a:t>
             </a:r>
             <a:br>
               <a:rPr lang="en-US" dirty="0" smtClean="0"/>
@@ -25755,8 +26099,29 @@
             </a:pPr>
             <a:r>
               <a:rPr lang="en-US" dirty="0" smtClean="0"/>
-              <a:t>Write the blog post for project number 1.</a:t>
-            </a:r>
+              <a:t>Write the blog post (</a:t>
+            </a:r>
+            <a:r>
+              <a:rPr lang="en-US" dirty="0" smtClean="0"/>
+              <a:t>Medium?) </a:t>
+            </a:r>
+            <a:r>
+              <a:rPr lang="en-US" dirty="0" smtClean="0"/>
+              <a:t>for project number 1</a:t>
+            </a:r>
+            <a:r>
+              <a:rPr lang="en-US" dirty="0" smtClean="0"/>
+              <a:t>. Anyone has suggestions on what platform to be used for the blogpost? Is it better to write it in the </a:t>
+            </a:r>
+            <a:r>
+              <a:rPr lang="en-US" dirty="0" err="1" smtClean="0"/>
+              <a:t>Qiskit’s</a:t>
+            </a:r>
+            <a:r>
+              <a:rPr lang="en-US" dirty="0" smtClean="0"/>
+              <a:t> Medium or personal Medium?</a:t>
+            </a:r>
+            <a:endParaRPr lang="en-US" dirty="0" smtClean="0"/>
           </a:p>
           <a:p>
             <a:pPr marL="342900" indent="-342900">
@@ -25864,216 +26229,206 @@
       </p:grpSpPr>
       <p:sp>
         <p:nvSpPr>
-          <p:cNvPr id="2" name="Title 1"/>
-          <p:cNvSpPr>
-            <a:spLocks noGrp="1"/>
-          </p:cNvSpPr>
-          <p:nvPr>
-            <p:ph type="title"/>
-          </p:nvPr>
-        </p:nvSpPr>
-        <p:spPr/>
+          <p:cNvPr id="6" name="Rectangle 5"/>
+          <p:cNvSpPr/>
+          <p:nvPr/>
+        </p:nvSpPr>
+        <p:spPr bwMode="auto">
+          <a:xfrm>
+            <a:off x="7546848" y="98322"/>
+            <a:ext cx="1469331" cy="658761"/>
+          </a:xfrm>
+          <a:prstGeom prst="rect">
+            <a:avLst/>
+          </a:prstGeom>
+          <a:solidFill>
+            <a:schemeClr val="accent4"/>
+          </a:solidFill>
+          <a:ln w="19050">
+            <a:noFill/>
+            <a:headEnd type="none" w="med" len="med"/>
+            <a:tailEnd type="none" w="med" len="med"/>
+          </a:ln>
+          <a:effectLst/>
+        </p:spPr>
+        <p:style>
+          <a:lnRef idx="2">
+            <a:schemeClr val="accent6"/>
+          </a:lnRef>
+          <a:fillRef idx="1">
+            <a:schemeClr val="lt1"/>
+          </a:fillRef>
+          <a:effectRef idx="0">
+            <a:schemeClr val="accent6"/>
+          </a:effectRef>
+          <a:fontRef idx="minor">
+            <a:schemeClr val="dk1"/>
+          </a:fontRef>
+        </p:style>
+        <p:txBody>
+          <a:bodyPr vert="horz" wrap="square" lIns="36000" tIns="36000" rIns="36000" bIns="36000" numCol="1" rtlCol="0" anchor="t" anchorCtr="0" compatLnSpc="1">
+            <a:prstTxWarp prst="textNoShape">
+              <a:avLst/>
+            </a:prstTxWarp>
+          </a:bodyPr>
+          <a:lstStyle/>
+          <a:p>
+            <a:pPr marL="0" marR="0" indent="0" algn="r" defTabSz="914400" rtl="0" eaLnBrk="1" fontAlgn="base" latinLnBrk="0" hangingPunct="1">
+              <a:lnSpc>
+                <a:spcPct val="90000"/>
+              </a:lnSpc>
+              <a:spcBef>
+                <a:spcPct val="0"/>
+              </a:spcBef>
+              <a:spcAft>
+                <a:spcPct val="0"/>
+              </a:spcAft>
+              <a:buClrTx/>
+              <a:buSzTx/>
+              <a:buFontTx/>
+              <a:buNone/>
+              <a:tabLst/>
+            </a:pPr>
+            <a:endParaRPr kumimoji="0" lang="en-US" sz="2000" b="0" i="0" u="none" strike="noStrike" cap="none" normalizeH="0" baseline="0" dirty="0" smtClean="0">
+              <a:ln>
+                <a:noFill/>
+              </a:ln>
+              <a:solidFill>
+                <a:schemeClr val="accent2"/>
+              </a:solidFill>
+              <a:effectLst/>
+              <a:latin typeface="IBM Plex Sans" panose="020B0503050203000203" pitchFamily="34" charset="0"/>
+            </a:endParaRPr>
+          </a:p>
+        </p:txBody>
+      </p:sp>
+      <p:sp>
+        <p:nvSpPr>
+          <p:cNvPr id="12" name="Footer Text">
+            <a:extLst>
+              <a:ext uri="{FF2B5EF4-FFF2-40B4-BE49-F238E27FC236}">
+                <a16:creationId xmlns:a16="http://schemas.microsoft.com/office/drawing/2014/main" id="{39BE6F7F-C3B8-4336-B499-2CF5FB0768E7}"/>
+              </a:ext>
+            </a:extLst>
+          </p:cNvPr>
+          <p:cNvSpPr txBox="1"/>
+          <p:nvPr/>
+        </p:nvSpPr>
+        <p:spPr>
+          <a:xfrm>
+            <a:off x="2749550" y="3573933"/>
+            <a:ext cx="3644900" cy="984885"/>
+          </a:xfrm>
+          <a:prstGeom prst="rect">
+            <a:avLst/>
+          </a:prstGeom>
+          <a:noFill/>
+        </p:spPr>
+        <p:txBody>
+          <a:bodyPr wrap="square" lIns="0" tIns="0" rIns="0" bIns="0" rtlCol="0" anchor="ctr">
+            <a:spAutoFit/>
+          </a:bodyPr>
+          <a:lstStyle/>
+          <a:p>
+            <a:pPr algn="ctr" defTabSz="914400"/>
+            <a:r>
+              <a:rPr lang="en-US" sz="3200" b="1" dirty="0" smtClean="0">
+                <a:solidFill>
+                  <a:srgbClr val="695D7A"/>
+                </a:solidFill>
+                <a:latin typeface="Roboto"/>
+              </a:rPr>
+              <a:t>Thank you!</a:t>
+            </a:r>
+            <a:r>
+              <a:rPr lang="en-US" sz="3200" b="1" dirty="0" smtClean="0">
+                <a:solidFill>
+                  <a:srgbClr val="695D7A"/>
+                </a:solidFill>
+                <a:latin typeface="Roboto"/>
+              </a:rPr>
+              <a:t/>
+            </a:r>
+            <a:br>
+              <a:rPr lang="en-US" sz="3200" b="1" dirty="0" smtClean="0">
+                <a:solidFill>
+                  <a:srgbClr val="695D7A"/>
+                </a:solidFill>
+                <a:latin typeface="Roboto"/>
+              </a:rPr>
+            </a:br>
+            <a:r>
+              <a:rPr lang="en-US" sz="3200" b="1" dirty="0" smtClean="0">
+                <a:solidFill>
+                  <a:srgbClr val="695D7A"/>
+                </a:solidFill>
+                <a:latin typeface="Roboto"/>
+              </a:rPr>
+              <a:t>Any questions?</a:t>
+            </a:r>
+            <a:endParaRPr lang="en-US" sz="3200" b="1" dirty="0">
+              <a:solidFill>
+                <a:srgbClr val="695D7A"/>
+              </a:solidFill>
+              <a:latin typeface="Roboto"/>
+            </a:endParaRPr>
+          </a:p>
+        </p:txBody>
+      </p:sp>
+      <p:pic>
+        <p:nvPicPr>
+          <p:cNvPr id="14" name="Picture 13" descr="A group working with Qiskit">
+            <a:extLst>
+              <a:ext uri="{FF2B5EF4-FFF2-40B4-BE49-F238E27FC236}">
+                <a16:creationId xmlns:a16="http://schemas.microsoft.com/office/drawing/2014/main" id="{0BCB84C9-4D84-5043-A1CF-FB74C6A2DC0B}"/>
+              </a:ext>
+            </a:extLst>
+          </p:cNvPr>
+          <p:cNvPicPr>
+            <a:picLocks noChangeAspect="1"/>
+          </p:cNvPicPr>
+          <p:nvPr/>
+        </p:nvPicPr>
+        <p:blipFill>
+          <a:blip r:embed="rId2"/>
+          <a:stretch>
+            <a:fillRect/>
+          </a:stretch>
+        </p:blipFill>
+        <p:spPr>
+          <a:xfrm>
+            <a:off x="2241538" y="160777"/>
+            <a:ext cx="4660924" cy="3413156"/>
+          </a:xfrm>
+          <a:prstGeom prst="rect">
+            <a:avLst/>
+          </a:prstGeom>
+        </p:spPr>
+      </p:pic>
+      <p:sp>
+        <p:nvSpPr>
+          <p:cNvPr id="15" name="Footer Placeholder 3"/>
+          <p:cNvSpPr>
+            <a:spLocks noGrp="1"/>
+          </p:cNvSpPr>
+          <p:nvPr>
+            <p:ph type="ftr" sz="quarter" idx="10"/>
+          </p:nvPr>
+        </p:nvSpPr>
+        <p:spPr>
+          <a:xfrm>
+            <a:off x="2377186" y="3113643"/>
+            <a:ext cx="744728" cy="166687"/>
+          </a:xfrm>
+        </p:spPr>
         <p:txBody>
           <a:bodyPr/>
           <a:lstStyle/>
           <a:p>
             <a:r>
               <a:rPr lang="en-US" dirty="0" smtClean="0"/>
-              <a:t>References</a:t>
-            </a:r>
-            <a:endParaRPr lang="en-US" dirty="0"/>
-          </a:p>
-        </p:txBody>
-      </p:sp>
-      <p:sp>
-        <p:nvSpPr>
-          <p:cNvPr id="3" name="Text Placeholder 2"/>
-          <p:cNvSpPr>
-            <a:spLocks noGrp="1"/>
-          </p:cNvSpPr>
-          <p:nvPr>
-            <p:ph type="body" sz="quarter" idx="12"/>
-          </p:nvPr>
-        </p:nvSpPr>
-        <p:spPr/>
-        <p:txBody>
-          <a:bodyPr/>
-          <a:lstStyle/>
-          <a:p>
-            <a:r>
-              <a:rPr lang="en-US" dirty="0" smtClean="0"/>
-              <a:t>[1] Pérez-Salinas </a:t>
-            </a:r>
-            <a:r>
-              <a:rPr lang="en-US" dirty="0"/>
-              <a:t>A, </a:t>
-            </a:r>
-            <a:r>
-              <a:rPr lang="en-US" dirty="0" err="1"/>
-              <a:t>Cervera-Lierta</a:t>
-            </a:r>
-            <a:r>
-              <a:rPr lang="en-US" dirty="0"/>
-              <a:t> A, Gil-</a:t>
-            </a:r>
-            <a:r>
-              <a:rPr lang="en-US" dirty="0" err="1"/>
-              <a:t>Fuster</a:t>
-            </a:r>
-            <a:r>
-              <a:rPr lang="en-US" dirty="0"/>
-              <a:t> E, </a:t>
-            </a:r>
-            <a:r>
-              <a:rPr lang="en-US" dirty="0" err="1"/>
-              <a:t>Latorre</a:t>
-            </a:r>
-            <a:r>
-              <a:rPr lang="en-US" dirty="0"/>
-              <a:t> JI. Data </a:t>
-            </a:r>
-            <a:r>
-              <a:rPr lang="en-US" dirty="0" err="1"/>
-              <a:t>reuploading</a:t>
-            </a:r>
-            <a:r>
-              <a:rPr lang="en-US" dirty="0"/>
-              <a:t> for a universal quantum classifier. Quantum 2020;4:226. https://doi.org/10.22331/q-2020-02-06-226</a:t>
-            </a:r>
-            <a:r>
-              <a:rPr lang="en-US" dirty="0" smtClean="0"/>
-              <a:t>.</a:t>
-            </a:r>
-          </a:p>
-          <a:p>
-            <a:r>
-              <a:rPr lang="en-US" dirty="0" smtClean="0"/>
-              <a:t>[2] </a:t>
-            </a:r>
-            <a:r>
-              <a:rPr lang="es-ES" dirty="0" err="1"/>
-              <a:t>LeCun</a:t>
-            </a:r>
-            <a:r>
-              <a:rPr lang="es-ES" dirty="0"/>
-              <a:t> Y, Cortes C. MNIST </a:t>
-            </a:r>
-            <a:r>
-              <a:rPr lang="es-ES" dirty="0" err="1"/>
-              <a:t>handwritten</a:t>
-            </a:r>
-            <a:r>
-              <a:rPr lang="es-ES" dirty="0"/>
-              <a:t> </a:t>
-            </a:r>
-            <a:r>
-              <a:rPr lang="es-ES" dirty="0" err="1"/>
-              <a:t>digit</a:t>
-            </a:r>
-            <a:r>
-              <a:rPr lang="es-ES" dirty="0"/>
-              <a:t> </a:t>
-            </a:r>
-            <a:r>
-              <a:rPr lang="es-ES" dirty="0" err="1"/>
-              <a:t>database</a:t>
-            </a:r>
-            <a:r>
-              <a:rPr lang="es-ES" dirty="0"/>
-              <a:t> 2010</a:t>
-            </a:r>
-            <a:r>
-              <a:rPr lang="es-ES" dirty="0" smtClean="0"/>
-              <a:t>.</a:t>
-            </a:r>
-          </a:p>
-          <a:p>
-            <a:r>
-              <a:rPr lang="es-ES" dirty="0" smtClean="0"/>
-              <a:t>[3] </a:t>
-            </a:r>
-            <a:r>
-              <a:rPr lang="en-US" dirty="0"/>
-              <a:t>Verdon G, McCourt T, </a:t>
-            </a:r>
-            <a:r>
-              <a:rPr lang="en-US" dirty="0" err="1"/>
-              <a:t>Luzhnica</a:t>
-            </a:r>
-            <a:r>
-              <a:rPr lang="en-US" dirty="0"/>
-              <a:t> E, Singh V, </a:t>
-            </a:r>
-            <a:r>
-              <a:rPr lang="en-US" dirty="0" err="1"/>
-              <a:t>Leichenauer</a:t>
-            </a:r>
-            <a:r>
-              <a:rPr lang="en-US" dirty="0"/>
-              <a:t> S, </a:t>
-            </a:r>
-            <a:r>
-              <a:rPr lang="en-US" dirty="0" err="1"/>
-              <a:t>Hidary</a:t>
-            </a:r>
-            <a:r>
-              <a:rPr lang="en-US" dirty="0"/>
-              <a:t> J. Quantum Graph Neural Networks. </a:t>
-            </a:r>
-            <a:r>
-              <a:rPr lang="en-US" dirty="0" err="1"/>
-              <a:t>ArXiv</a:t>
-            </a:r>
-            <a:r>
-              <a:rPr lang="en-US" dirty="0"/>
-              <a:t> 2019.</a:t>
-            </a:r>
-          </a:p>
-        </p:txBody>
-      </p:sp>
-      <p:sp>
-        <p:nvSpPr>
-          <p:cNvPr id="4" name="Footer Placeholder 3"/>
-          <p:cNvSpPr>
-            <a:spLocks noGrp="1"/>
-          </p:cNvSpPr>
-          <p:nvPr>
-            <p:ph type="ftr" sz="quarter" idx="10"/>
-          </p:nvPr>
-        </p:nvSpPr>
-        <p:spPr/>
-        <p:txBody>
-          <a:bodyPr/>
-          <a:lstStyle/>
-          <a:p>
-            <a:r>
-              <a:rPr lang="en-US" smtClean="0"/>
               <a:t>Qiskit © 2020</a:t>
             </a:r>
-            <a:endParaRPr lang="en-US" dirty="0"/>
-          </a:p>
-        </p:txBody>
-      </p:sp>
-      <p:sp>
-        <p:nvSpPr>
-          <p:cNvPr id="5" name="Slide Number Placeholder 4"/>
-          <p:cNvSpPr>
-            <a:spLocks noGrp="1"/>
-          </p:cNvSpPr>
-          <p:nvPr>
-            <p:ph type="sldNum" sz="quarter" idx="11"/>
-          </p:nvPr>
-        </p:nvSpPr>
-        <p:spPr/>
-        <p:txBody>
-          <a:bodyPr/>
-          <a:lstStyle/>
-          <a:p>
-            <a:fld id="{59395FB3-9C97-154F-86B2-7E381B951268}" type="slidenum">
-              <a:rPr lang="en-US" smtClean="0"/>
-              <a:pPr/>
-              <a:t>5</a:t>
-            </a:fld>
             <a:endParaRPr lang="en-US" dirty="0"/>
           </a:p>
         </p:txBody>
@@ -26081,13 +26436,143 @@
     </p:spTree>
     <p:extLst>
       <p:ext uri="{BB962C8B-B14F-4D97-AF65-F5344CB8AC3E}">
-        <p14:creationId xmlns:p14="http://schemas.microsoft.com/office/powerpoint/2010/main" val="1276371417"/>
+        <p14:creationId xmlns:p14="http://schemas.microsoft.com/office/powerpoint/2010/main" val="55353429"/>
       </p:ext>
     </p:extLst>
   </p:cSld>
   <p:clrMapOvr>
     <a:masterClrMapping/>
   </p:clrMapOvr>
+  <p:timing>
+    <p:tnLst>
+      <p:par>
+        <p:cTn id="1" dur="indefinite" restart="never" nodeType="tmRoot">
+          <p:childTnLst>
+            <p:seq concurrent="1" nextAc="seek">
+              <p:cTn id="2" dur="indefinite" nodeType="mainSeq">
+                <p:childTnLst>
+                  <p:par>
+                    <p:cTn id="3" fill="hold">
+                      <p:stCondLst>
+                        <p:cond delay="indefinite"/>
+                        <p:cond evt="onBegin" delay="0">
+                          <p:tn val="2"/>
+                        </p:cond>
+                      </p:stCondLst>
+                      <p:childTnLst>
+                        <p:par>
+                          <p:cTn id="4" fill="hold">
+                            <p:stCondLst>
+                              <p:cond delay="0"/>
+                            </p:stCondLst>
+                            <p:childTnLst>
+                              <p:par>
+                                <p:cTn id="5" presetID="2" presetClass="entr" presetSubtype="4" accel="20000" decel="80000" fill="hold" grpId="0" nodeType="afterEffect">
+                                  <p:stCondLst>
+                                    <p:cond delay="0"/>
+                                  </p:stCondLst>
+                                  <p:iterate type="wd">
+                                    <p:tmPct val="10000"/>
+                                  </p:iterate>
+                                  <p:childTnLst>
+                                    <p:set>
+                                      <p:cBhvr>
+                                        <p:cTn id="6" dur="1" fill="hold">
+                                          <p:stCondLst>
+                                            <p:cond delay="0"/>
+                                          </p:stCondLst>
+                                        </p:cTn>
+                                        <p:tgtEl>
+                                          <p:spTgt spid="12"/>
+                                        </p:tgtEl>
+                                        <p:attrNameLst>
+                                          <p:attrName>style.visibility</p:attrName>
+                                        </p:attrNameLst>
+                                      </p:cBhvr>
+                                      <p:to>
+                                        <p:strVal val="visible"/>
+                                      </p:to>
+                                    </p:set>
+                                    <p:anim calcmode="lin" valueType="num">
+                                      <p:cBhvr additive="base">
+                                        <p:cTn id="7" dur="500" fill="hold"/>
+                                        <p:tgtEl>
+                                          <p:spTgt spid="12"/>
+                                        </p:tgtEl>
+                                        <p:attrNameLst>
+                                          <p:attrName>ppt_x</p:attrName>
+                                        </p:attrNameLst>
+                                      </p:cBhvr>
+                                      <p:tavLst>
+                                        <p:tav tm="0">
+                                          <p:val>
+                                            <p:strVal val="#ppt_x"/>
+                                          </p:val>
+                                        </p:tav>
+                                        <p:tav tm="100000">
+                                          <p:val>
+                                            <p:strVal val="#ppt_x"/>
+                                          </p:val>
+                                        </p:tav>
+                                      </p:tavLst>
+                                    </p:anim>
+                                    <p:anim calcmode="lin" valueType="num">
+                                      <p:cBhvr additive="base">
+                                        <p:cTn id="8" dur="500" fill="hold"/>
+                                        <p:tgtEl>
+                                          <p:spTgt spid="12"/>
+                                        </p:tgtEl>
+                                        <p:attrNameLst>
+                                          <p:attrName>ppt_y</p:attrName>
+                                        </p:attrNameLst>
+                                      </p:cBhvr>
+                                      <p:tavLst>
+                                        <p:tav tm="0">
+                                          <p:val>
+                                            <p:strVal val="1+#ppt_h/2"/>
+                                          </p:val>
+                                        </p:tav>
+                                        <p:tav tm="100000">
+                                          <p:val>
+                                            <p:strVal val="#ppt_y"/>
+                                          </p:val>
+                                        </p:tav>
+                                      </p:tavLst>
+                                    </p:anim>
+                                  </p:childTnLst>
+                                </p:cTn>
+                              </p:par>
+                            </p:childTnLst>
+                          </p:cTn>
+                        </p:par>
+                      </p:childTnLst>
+                    </p:cTn>
+                  </p:par>
+                </p:childTnLst>
+              </p:cTn>
+              <p:prevCondLst>
+                <p:cond evt="onPrev" delay="0">
+                  <p:tgtEl>
+                    <p:sldTgt/>
+                  </p:tgtEl>
+                </p:cond>
+              </p:prevCondLst>
+              <p:nextCondLst>
+                <p:cond evt="onNext" delay="0">
+                  <p:tgtEl>
+                    <p:sldTgt/>
+                  </p:tgtEl>
+                </p:cond>
+              </p:nextCondLst>
+            </p:seq>
+          </p:childTnLst>
+        </p:cTn>
+      </p:par>
+    </p:tnLst>
+    <p:bldLst>
+      <p:bldP spid="12" grpId="0"/>
+    </p:bldLst>
+  </p:timing>
 </p:sld>
 </file>
 
